--- a/卒業論文/2014/三浦泰介/1242105三浦泰介ポスター.pptx
+++ b/卒業論文/2014/三浦泰介/1242105三浦泰介ポスター.pptx
@@ -504,7 +504,7 @@
           <a:p>
             <a:fld id="{4ADE0E56-B02A-4EE7-B89E-44845DFFCF82}" type="datetimeFigureOut">
               <a:rPr kumimoji="1" lang="ja-JP" altLang="en-US" smtClean="0"/>
-              <a:t>2015/10/6</a:t>
+              <a:t>2015/10/7</a:t>
             </a:fld>
             <a:endParaRPr kumimoji="1" lang="ja-JP" altLang="en-US"/>
           </a:p>
@@ -770,7 +770,7 @@
           <a:p>
             <a:fld id="{4ADE0E56-B02A-4EE7-B89E-44845DFFCF82}" type="datetimeFigureOut">
               <a:rPr kumimoji="1" lang="ja-JP" altLang="en-US" smtClean="0"/>
-              <a:t>2015/10/6</a:t>
+              <a:t>2015/10/7</a:t>
             </a:fld>
             <a:endParaRPr kumimoji="1" lang="ja-JP" altLang="en-US"/>
           </a:p>
@@ -1020,7 +1020,7 @@
           <a:p>
             <a:fld id="{4ADE0E56-B02A-4EE7-B89E-44845DFFCF82}" type="datetimeFigureOut">
               <a:rPr kumimoji="1" lang="ja-JP" altLang="en-US" smtClean="0"/>
-              <a:t>2015/10/6</a:t>
+              <a:t>2015/10/7</a:t>
             </a:fld>
             <a:endParaRPr kumimoji="1" lang="ja-JP" altLang="en-US"/>
           </a:p>
@@ -1328,7 +1328,7 @@
           <a:p>
             <a:fld id="{4ADE0E56-B02A-4EE7-B89E-44845DFFCF82}" type="datetimeFigureOut">
               <a:rPr kumimoji="1" lang="ja-JP" altLang="en-US" smtClean="0"/>
-              <a:t>2015/10/6</a:t>
+              <a:t>2015/10/7</a:t>
             </a:fld>
             <a:endParaRPr kumimoji="1" lang="ja-JP" altLang="en-US"/>
           </a:p>
@@ -1646,7 +1646,7 @@
           <a:p>
             <a:fld id="{4ADE0E56-B02A-4EE7-B89E-44845DFFCF82}" type="datetimeFigureOut">
               <a:rPr kumimoji="1" lang="ja-JP" altLang="en-US" smtClean="0"/>
-              <a:t>2015/10/6</a:t>
+              <a:t>2015/10/7</a:t>
             </a:fld>
             <a:endParaRPr kumimoji="1" lang="ja-JP" altLang="en-US"/>
           </a:p>
@@ -1948,7 +1948,7 @@
           <a:p>
             <a:fld id="{4ADE0E56-B02A-4EE7-B89E-44845DFFCF82}" type="datetimeFigureOut">
               <a:rPr kumimoji="1" lang="ja-JP" altLang="en-US" smtClean="0"/>
-              <a:t>2015/10/6</a:t>
+              <a:t>2015/10/7</a:t>
             </a:fld>
             <a:endParaRPr kumimoji="1" lang="ja-JP" altLang="en-US"/>
           </a:p>
@@ -2315,7 +2315,7 @@
           <a:p>
             <a:fld id="{4ADE0E56-B02A-4EE7-B89E-44845DFFCF82}" type="datetimeFigureOut">
               <a:rPr kumimoji="1" lang="ja-JP" altLang="en-US" smtClean="0"/>
-              <a:t>2015/10/6</a:t>
+              <a:t>2015/10/7</a:t>
             </a:fld>
             <a:endParaRPr kumimoji="1" lang="ja-JP" altLang="en-US"/>
           </a:p>
@@ -2533,7 +2533,7 @@
           <a:p>
             <a:fld id="{4ADE0E56-B02A-4EE7-B89E-44845DFFCF82}" type="datetimeFigureOut">
               <a:rPr kumimoji="1" lang="ja-JP" altLang="en-US" smtClean="0"/>
-              <a:t>2015/10/6</a:t>
+              <a:t>2015/10/7</a:t>
             </a:fld>
             <a:endParaRPr kumimoji="1" lang="ja-JP" altLang="en-US"/>
           </a:p>
@@ -2751,7 +2751,7 @@
           <a:p>
             <a:fld id="{4ADE0E56-B02A-4EE7-B89E-44845DFFCF82}" type="datetimeFigureOut">
               <a:rPr kumimoji="1" lang="ja-JP" altLang="en-US" smtClean="0"/>
-              <a:t>2015/10/6</a:t>
+              <a:t>2015/10/7</a:t>
             </a:fld>
             <a:endParaRPr kumimoji="1" lang="ja-JP" altLang="en-US"/>
           </a:p>
@@ -2963,7 +2963,7 @@
           <a:p>
             <a:fld id="{4ADE0E56-B02A-4EE7-B89E-44845DFFCF82}" type="datetimeFigureOut">
               <a:rPr kumimoji="1" lang="ja-JP" altLang="en-US" smtClean="0"/>
-              <a:t>2015/10/6</a:t>
+              <a:t>2015/10/7</a:t>
             </a:fld>
             <a:endParaRPr kumimoji="1" lang="ja-JP" altLang="en-US"/>
           </a:p>
@@ -3213,7 +3213,7 @@
           <a:p>
             <a:fld id="{4ADE0E56-B02A-4EE7-B89E-44845DFFCF82}" type="datetimeFigureOut">
               <a:rPr kumimoji="1" lang="ja-JP" altLang="en-US" smtClean="0"/>
-              <a:t>2015/10/6</a:t>
+              <a:t>2015/10/7</a:t>
             </a:fld>
             <a:endParaRPr kumimoji="1" lang="ja-JP" altLang="en-US"/>
           </a:p>
@@ -3524,7 +3524,7 @@
           <a:p>
             <a:fld id="{4ADE0E56-B02A-4EE7-B89E-44845DFFCF82}" type="datetimeFigureOut">
               <a:rPr kumimoji="1" lang="ja-JP" altLang="en-US" smtClean="0"/>
-              <a:t>2015/10/6</a:t>
+              <a:t>2015/10/7</a:t>
             </a:fld>
             <a:endParaRPr kumimoji="1" lang="ja-JP" altLang="en-US"/>
           </a:p>
@@ -3977,7 +3977,7 @@
           <a:p>
             <a:fld id="{4ADE0E56-B02A-4EE7-B89E-44845DFFCF82}" type="datetimeFigureOut">
               <a:rPr kumimoji="1" lang="ja-JP" altLang="en-US" smtClean="0"/>
-              <a:t>2015/10/6</a:t>
+              <a:t>2015/10/7</a:t>
             </a:fld>
             <a:endParaRPr kumimoji="1" lang="ja-JP" altLang="en-US"/>
           </a:p>
@@ -4106,7 +4106,7 @@
           <a:p>
             <a:fld id="{4ADE0E56-B02A-4EE7-B89E-44845DFFCF82}" type="datetimeFigureOut">
               <a:rPr kumimoji="1" lang="ja-JP" altLang="en-US" smtClean="0"/>
-              <a:t>2015/10/6</a:t>
+              <a:t>2015/10/7</a:t>
             </a:fld>
             <a:endParaRPr kumimoji="1" lang="ja-JP" altLang="en-US"/>
           </a:p>
@@ -4201,7 +4201,7 @@
           <a:p>
             <a:fld id="{4ADE0E56-B02A-4EE7-B89E-44845DFFCF82}" type="datetimeFigureOut">
               <a:rPr kumimoji="1" lang="ja-JP" altLang="en-US" smtClean="0"/>
-              <a:t>2015/10/6</a:t>
+              <a:t>2015/10/7</a:t>
             </a:fld>
             <a:endParaRPr kumimoji="1" lang="ja-JP" altLang="en-US"/>
           </a:p>
@@ -4488,7 +4488,7 @@
           <a:p>
             <a:fld id="{4ADE0E56-B02A-4EE7-B89E-44845DFFCF82}" type="datetimeFigureOut">
               <a:rPr kumimoji="1" lang="ja-JP" altLang="en-US" smtClean="0"/>
-              <a:t>2015/10/6</a:t>
+              <a:t>2015/10/7</a:t>
             </a:fld>
             <a:endParaRPr kumimoji="1" lang="ja-JP" altLang="en-US"/>
           </a:p>
@@ -4771,7 +4771,7 @@
           <a:p>
             <a:fld id="{4ADE0E56-B02A-4EE7-B89E-44845DFFCF82}" type="datetimeFigureOut">
               <a:rPr kumimoji="1" lang="ja-JP" altLang="en-US" smtClean="0"/>
-              <a:t>2015/10/6</a:t>
+              <a:t>2015/10/7</a:t>
             </a:fld>
             <a:endParaRPr kumimoji="1" lang="ja-JP" altLang="en-US"/>
           </a:p>
@@ -5214,7 +5214,7 @@
           <a:p>
             <a:fld id="{4ADE0E56-B02A-4EE7-B89E-44845DFFCF82}" type="datetimeFigureOut">
               <a:rPr kumimoji="1" lang="ja-JP" altLang="en-US" smtClean="0"/>
-              <a:t>2015/10/6</a:t>
+              <a:t>2015/10/7</a:t>
             </a:fld>
             <a:endParaRPr kumimoji="1" lang="ja-JP" altLang="en-US"/>
           </a:p>
@@ -6134,7 +6134,7 @@
         </p:blipFill>
         <p:spPr bwMode="auto">
           <a:xfrm>
-            <a:off x="607260" y="21226015"/>
+            <a:off x="14013249" y="23129244"/>
             <a:ext cx="1750068" cy="1327638"/>
           </a:xfrm>
           <a:prstGeom prst="rect">
@@ -6363,34 +6363,94 @@
               <a:buChar char="•"/>
             </a:pPr>
             <a:r>
-              <a:rPr lang="ja-JP" altLang="en-US" sz="4400">
+              <a:rPr lang="ja-JP" altLang="en-US" sz="4400" dirty="0">
                 <a:solidFill>
                   <a:schemeClr val="bg1"/>
                 </a:solidFill>
                 <a:latin typeface="しねきゃぷしょん" panose="02000600000000000000" pitchFamily="2" charset="-128"/>
                 <a:ea typeface="しねきゃぷしょん" panose="02000600000000000000" pitchFamily="2" charset="-128"/>
               </a:rPr>
-              <a:t>可能</a:t>
-            </a:r>
-            <a:r>
-              <a:rPr lang="ja-JP" altLang="en-US" sz="4400">
+              <a:t>可能な</a:t>
+            </a:r>
+            <a:r>
+              <a:rPr lang="ja-JP" altLang="en-US" sz="4400" dirty="0" smtClean="0">
                 <a:solidFill>
                   <a:schemeClr val="bg1"/>
                 </a:solidFill>
                 <a:latin typeface="しねきゃぷしょん" panose="02000600000000000000" pitchFamily="2" charset="-128"/>
                 <a:ea typeface="しねきゃぷしょん" panose="02000600000000000000" pitchFamily="2" charset="-128"/>
               </a:rPr>
-              <a:t>な</a:t>
-            </a:r>
-            <a:r>
-              <a:rPr lang="ja-JP" altLang="en-US" sz="4400" smtClean="0">
+              <a:t>限り</a:t>
+            </a:r>
+            <a:r>
+              <a:rPr lang="ja-JP" altLang="en-US" sz="4400" dirty="0" smtClean="0">
                 <a:solidFill>
                   <a:schemeClr val="bg1"/>
                 </a:solidFill>
                 <a:latin typeface="しねきゃぷしょん" panose="02000600000000000000" pitchFamily="2" charset="-128"/>
                 <a:ea typeface="しねきゃぷしょん" panose="02000600000000000000" pitchFamily="2" charset="-128"/>
               </a:rPr>
-              <a:t>限りデータを集め，データの信憑性を高める．</a:t>
+              <a:t>プロジェクト件数</a:t>
+            </a:r>
+            <a:r>
+              <a:rPr lang="ja-JP" altLang="en-US" sz="4400" dirty="0" smtClean="0">
+                <a:solidFill>
+                  <a:schemeClr val="bg1"/>
+                </a:solidFill>
+                <a:latin typeface="しねきゃぷしょん" panose="02000600000000000000" pitchFamily="2" charset="-128"/>
+                <a:ea typeface="しねきゃぷしょん" panose="02000600000000000000" pitchFamily="2" charset="-128"/>
+              </a:rPr>
+              <a:t>を</a:t>
+            </a:r>
+            <a:r>
+              <a:rPr lang="ja-JP" altLang="en-US" sz="4400" dirty="0" smtClean="0">
+                <a:solidFill>
+                  <a:schemeClr val="bg1"/>
+                </a:solidFill>
+                <a:latin typeface="しねきゃぷしょん" panose="02000600000000000000" pitchFamily="2" charset="-128"/>
+                <a:ea typeface="しねきゃぷしょん" panose="02000600000000000000" pitchFamily="2" charset="-128"/>
+              </a:rPr>
+              <a:t>集め</a:t>
+            </a:r>
+            <a:r>
+              <a:rPr lang="ja-JP" altLang="en-US" sz="4400" dirty="0" smtClean="0">
+                <a:solidFill>
+                  <a:schemeClr val="bg1"/>
+                </a:solidFill>
+                <a:latin typeface="しねきゃぷしょん" panose="02000600000000000000" pitchFamily="2" charset="-128"/>
+                <a:ea typeface="しねきゃぷしょん" panose="02000600000000000000" pitchFamily="2" charset="-128"/>
+              </a:rPr>
+              <a:t>，</a:t>
+            </a:r>
+            <a:r>
+              <a:rPr lang="ja-JP" altLang="en-US" sz="4400" dirty="0">
+                <a:solidFill>
+                  <a:schemeClr val="bg1"/>
+                </a:solidFill>
+                <a:latin typeface="しねきゃぷしょん" panose="02000600000000000000" pitchFamily="2" charset="-128"/>
+                <a:ea typeface="しねきゃぷしょん" panose="02000600000000000000" pitchFamily="2" charset="-128"/>
+              </a:rPr>
+              <a:t>結果</a:t>
+            </a:r>
+            <a:r>
+              <a:rPr lang="ja-JP" altLang="en-US" sz="4400" dirty="0" smtClean="0">
+                <a:solidFill>
+                  <a:schemeClr val="bg1"/>
+                </a:solidFill>
+                <a:latin typeface="しねきゃぷしょん" panose="02000600000000000000" pitchFamily="2" charset="-128"/>
+                <a:ea typeface="しねきゃぷしょん" panose="02000600000000000000" pitchFamily="2" charset="-128"/>
+              </a:rPr>
+              <a:t>の</a:t>
+            </a:r>
+            <a:r>
+              <a:rPr lang="ja-JP" altLang="en-US" sz="4400" dirty="0" smtClean="0">
+                <a:solidFill>
+                  <a:schemeClr val="bg1"/>
+                </a:solidFill>
+                <a:latin typeface="しねきゃぷしょん" panose="02000600000000000000" pitchFamily="2" charset="-128"/>
+                <a:ea typeface="しねきゃぷしょん" panose="02000600000000000000" pitchFamily="2" charset="-128"/>
+              </a:rPr>
+              <a:t>信憑性を高める．</a:t>
             </a:r>
             <a:endParaRPr kumimoji="1" lang="ja-JP" altLang="en-US" sz="4400" dirty="0">
               <a:solidFill>
@@ -6592,7 +6652,7 @@
         <p:spPr>
           <a:xfrm>
             <a:off x="165853" y="19399205"/>
-            <a:ext cx="10076369" cy="1754326"/>
+            <a:ext cx="10076369" cy="2308324"/>
           </a:xfrm>
           <a:prstGeom prst="rect">
             <a:avLst/>
@@ -6613,7 +6673,37 @@
                 <a:latin typeface="しねきゃぷしょん" panose="02000600000000000000" pitchFamily="2" charset="-128"/>
                 <a:ea typeface="しねきゃぷしょん" panose="02000600000000000000" pitchFamily="2" charset="-128"/>
               </a:rPr>
-              <a:t>クラウドファンディングサイトに掲載されているプロジェクトをクローラーを使い，自動で定期的に情報を取得する．</a:t>
+              <a:t>クラウドファンディングサイトに掲載されているプロジェクトをクローラーを使い，自動で定期的</a:t>
+            </a:r>
+            <a:r>
+              <a:rPr lang="ja-JP" altLang="en-US" sz="3600" dirty="0" smtClean="0">
+                <a:solidFill>
+                  <a:schemeClr val="bg1"/>
+                </a:solidFill>
+                <a:latin typeface="しねきゃぷしょん" panose="02000600000000000000" pitchFamily="2" charset="-128"/>
+                <a:ea typeface="しねきゃぷしょん" panose="02000600000000000000" pitchFamily="2" charset="-128"/>
+              </a:rPr>
+              <a:t>にプロジェクト掲載ページや進捗状況を</a:t>
+            </a:r>
+            <a:r>
+              <a:rPr lang="ja-JP" altLang="en-US" sz="3600" dirty="0" smtClean="0">
+                <a:solidFill>
+                  <a:schemeClr val="bg1"/>
+                </a:solidFill>
+                <a:latin typeface="しねきゃぷしょん" panose="02000600000000000000" pitchFamily="2" charset="-128"/>
+                <a:ea typeface="しねきゃぷしょん" panose="02000600000000000000" pitchFamily="2" charset="-128"/>
+              </a:rPr>
+              <a:t>取得する</a:t>
+            </a:r>
+            <a:r>
+              <a:rPr lang="ja-JP" altLang="en-US" sz="3600" dirty="0" smtClean="0">
+                <a:solidFill>
+                  <a:schemeClr val="bg1"/>
+                </a:solidFill>
+                <a:latin typeface="しねきゃぷしょん" panose="02000600000000000000" pitchFamily="2" charset="-128"/>
+                <a:ea typeface="しねきゃぷしょん" panose="02000600000000000000" pitchFamily="2" charset="-128"/>
+              </a:rPr>
+              <a:t>．</a:t>
             </a:r>
             <a:endParaRPr kumimoji="1" lang="en-US" altLang="ja-JP" sz="3600" dirty="0" smtClean="0">
               <a:solidFill>
@@ -6705,7 +6795,7 @@
         </p:nvSpPr>
         <p:spPr>
           <a:xfrm>
-            <a:off x="3517758" y="21395965"/>
+            <a:off x="3510164" y="21636205"/>
             <a:ext cx="2847370" cy="1478279"/>
           </a:xfrm>
           <a:prstGeom prst="downArrow">
@@ -7067,7 +7157,7 @@
         <p:spPr>
           <a:xfrm>
             <a:off x="10917970" y="19471689"/>
-            <a:ext cx="9640526" cy="2308324"/>
+            <a:ext cx="9640526" cy="3416320"/>
           </a:xfrm>
           <a:prstGeom prst="rect">
             <a:avLst/>
@@ -7120,7 +7210,17 @@
                 <a:latin typeface="しねきゃぷしょん" panose="02000600000000000000" pitchFamily="2" charset="-128"/>
                 <a:ea typeface="しねきゃぷしょん" panose="02000600000000000000" pitchFamily="2" charset="-128"/>
               </a:rPr>
-              <a:t>を続け可能な限り多いデータで解析を行う．</a:t>
+              <a:t>を続け可能な限り多いデータで解析を</a:t>
+            </a:r>
+            <a:r>
+              <a:rPr lang="ja-JP" altLang="en-US" sz="3600" dirty="0" smtClean="0">
+                <a:solidFill>
+                  <a:schemeClr val="bg1"/>
+                </a:solidFill>
+                <a:latin typeface="しねきゃぷしょん" panose="02000600000000000000" pitchFamily="2" charset="-128"/>
+                <a:ea typeface="しねきゃぷしょん" panose="02000600000000000000" pitchFamily="2" charset="-128"/>
+              </a:rPr>
+              <a:t>行う．課題研究の結果を元に件数が少なくて信憑性にかけていた結果についても再度検証を行う．</a:t>
             </a:r>
             <a:endParaRPr kumimoji="1" lang="ja-JP" altLang="en-US" sz="3600" dirty="0">
               <a:solidFill>

--- a/卒業論文/2014/三浦泰介/1242105三浦泰介ポスター.pptx
+++ b/卒業論文/2014/三浦泰介/1242105三浦泰介ポスター.pptx
@@ -504,7 +504,7 @@
           <a:p>
             <a:fld id="{4ADE0E56-B02A-4EE7-B89E-44845DFFCF82}" type="datetimeFigureOut">
               <a:rPr kumimoji="1" lang="ja-JP" altLang="en-US" smtClean="0"/>
-              <a:t>2015/10/7</a:t>
+              <a:t>2015/10/6</a:t>
             </a:fld>
             <a:endParaRPr kumimoji="1" lang="ja-JP" altLang="en-US"/>
           </a:p>
@@ -770,7 +770,7 @@
           <a:p>
             <a:fld id="{4ADE0E56-B02A-4EE7-B89E-44845DFFCF82}" type="datetimeFigureOut">
               <a:rPr kumimoji="1" lang="ja-JP" altLang="en-US" smtClean="0"/>
-              <a:t>2015/10/7</a:t>
+              <a:t>2015/10/6</a:t>
             </a:fld>
             <a:endParaRPr kumimoji="1" lang="ja-JP" altLang="en-US"/>
           </a:p>
@@ -1020,7 +1020,7 @@
           <a:p>
             <a:fld id="{4ADE0E56-B02A-4EE7-B89E-44845DFFCF82}" type="datetimeFigureOut">
               <a:rPr kumimoji="1" lang="ja-JP" altLang="en-US" smtClean="0"/>
-              <a:t>2015/10/7</a:t>
+              <a:t>2015/10/6</a:t>
             </a:fld>
             <a:endParaRPr kumimoji="1" lang="ja-JP" altLang="en-US"/>
           </a:p>
@@ -1328,7 +1328,7 @@
           <a:p>
             <a:fld id="{4ADE0E56-B02A-4EE7-B89E-44845DFFCF82}" type="datetimeFigureOut">
               <a:rPr kumimoji="1" lang="ja-JP" altLang="en-US" smtClean="0"/>
-              <a:t>2015/10/7</a:t>
+              <a:t>2015/10/6</a:t>
             </a:fld>
             <a:endParaRPr kumimoji="1" lang="ja-JP" altLang="en-US"/>
           </a:p>
@@ -1646,7 +1646,7 @@
           <a:p>
             <a:fld id="{4ADE0E56-B02A-4EE7-B89E-44845DFFCF82}" type="datetimeFigureOut">
               <a:rPr kumimoji="1" lang="ja-JP" altLang="en-US" smtClean="0"/>
-              <a:t>2015/10/7</a:t>
+              <a:t>2015/10/6</a:t>
             </a:fld>
             <a:endParaRPr kumimoji="1" lang="ja-JP" altLang="en-US"/>
           </a:p>
@@ -1948,7 +1948,7 @@
           <a:p>
             <a:fld id="{4ADE0E56-B02A-4EE7-B89E-44845DFFCF82}" type="datetimeFigureOut">
               <a:rPr kumimoji="1" lang="ja-JP" altLang="en-US" smtClean="0"/>
-              <a:t>2015/10/7</a:t>
+              <a:t>2015/10/6</a:t>
             </a:fld>
             <a:endParaRPr kumimoji="1" lang="ja-JP" altLang="en-US"/>
           </a:p>
@@ -2315,7 +2315,7 @@
           <a:p>
             <a:fld id="{4ADE0E56-B02A-4EE7-B89E-44845DFFCF82}" type="datetimeFigureOut">
               <a:rPr kumimoji="1" lang="ja-JP" altLang="en-US" smtClean="0"/>
-              <a:t>2015/10/7</a:t>
+              <a:t>2015/10/6</a:t>
             </a:fld>
             <a:endParaRPr kumimoji="1" lang="ja-JP" altLang="en-US"/>
           </a:p>
@@ -2533,7 +2533,7 @@
           <a:p>
             <a:fld id="{4ADE0E56-B02A-4EE7-B89E-44845DFFCF82}" type="datetimeFigureOut">
               <a:rPr kumimoji="1" lang="ja-JP" altLang="en-US" smtClean="0"/>
-              <a:t>2015/10/7</a:t>
+              <a:t>2015/10/6</a:t>
             </a:fld>
             <a:endParaRPr kumimoji="1" lang="ja-JP" altLang="en-US"/>
           </a:p>
@@ -2751,7 +2751,7 @@
           <a:p>
             <a:fld id="{4ADE0E56-B02A-4EE7-B89E-44845DFFCF82}" type="datetimeFigureOut">
               <a:rPr kumimoji="1" lang="ja-JP" altLang="en-US" smtClean="0"/>
-              <a:t>2015/10/7</a:t>
+              <a:t>2015/10/6</a:t>
             </a:fld>
             <a:endParaRPr kumimoji="1" lang="ja-JP" altLang="en-US"/>
           </a:p>
@@ -2963,7 +2963,7 @@
           <a:p>
             <a:fld id="{4ADE0E56-B02A-4EE7-B89E-44845DFFCF82}" type="datetimeFigureOut">
               <a:rPr kumimoji="1" lang="ja-JP" altLang="en-US" smtClean="0"/>
-              <a:t>2015/10/7</a:t>
+              <a:t>2015/10/6</a:t>
             </a:fld>
             <a:endParaRPr kumimoji="1" lang="ja-JP" altLang="en-US"/>
           </a:p>
@@ -3213,7 +3213,7 @@
           <a:p>
             <a:fld id="{4ADE0E56-B02A-4EE7-B89E-44845DFFCF82}" type="datetimeFigureOut">
               <a:rPr kumimoji="1" lang="ja-JP" altLang="en-US" smtClean="0"/>
-              <a:t>2015/10/7</a:t>
+              <a:t>2015/10/6</a:t>
             </a:fld>
             <a:endParaRPr kumimoji="1" lang="ja-JP" altLang="en-US"/>
           </a:p>
@@ -3524,7 +3524,7 @@
           <a:p>
             <a:fld id="{4ADE0E56-B02A-4EE7-B89E-44845DFFCF82}" type="datetimeFigureOut">
               <a:rPr kumimoji="1" lang="ja-JP" altLang="en-US" smtClean="0"/>
-              <a:t>2015/10/7</a:t>
+              <a:t>2015/10/6</a:t>
             </a:fld>
             <a:endParaRPr kumimoji="1" lang="ja-JP" altLang="en-US"/>
           </a:p>
@@ -3977,7 +3977,7 @@
           <a:p>
             <a:fld id="{4ADE0E56-B02A-4EE7-B89E-44845DFFCF82}" type="datetimeFigureOut">
               <a:rPr kumimoji="1" lang="ja-JP" altLang="en-US" smtClean="0"/>
-              <a:t>2015/10/7</a:t>
+              <a:t>2015/10/6</a:t>
             </a:fld>
             <a:endParaRPr kumimoji="1" lang="ja-JP" altLang="en-US"/>
           </a:p>
@@ -4106,7 +4106,7 @@
           <a:p>
             <a:fld id="{4ADE0E56-B02A-4EE7-B89E-44845DFFCF82}" type="datetimeFigureOut">
               <a:rPr kumimoji="1" lang="ja-JP" altLang="en-US" smtClean="0"/>
-              <a:t>2015/10/7</a:t>
+              <a:t>2015/10/6</a:t>
             </a:fld>
             <a:endParaRPr kumimoji="1" lang="ja-JP" altLang="en-US"/>
           </a:p>
@@ -4201,7 +4201,7 @@
           <a:p>
             <a:fld id="{4ADE0E56-B02A-4EE7-B89E-44845DFFCF82}" type="datetimeFigureOut">
               <a:rPr kumimoji="1" lang="ja-JP" altLang="en-US" smtClean="0"/>
-              <a:t>2015/10/7</a:t>
+              <a:t>2015/10/6</a:t>
             </a:fld>
             <a:endParaRPr kumimoji="1" lang="ja-JP" altLang="en-US"/>
           </a:p>
@@ -4488,7 +4488,7 @@
           <a:p>
             <a:fld id="{4ADE0E56-B02A-4EE7-B89E-44845DFFCF82}" type="datetimeFigureOut">
               <a:rPr kumimoji="1" lang="ja-JP" altLang="en-US" smtClean="0"/>
-              <a:t>2015/10/7</a:t>
+              <a:t>2015/10/6</a:t>
             </a:fld>
             <a:endParaRPr kumimoji="1" lang="ja-JP" altLang="en-US"/>
           </a:p>
@@ -4771,7 +4771,7 @@
           <a:p>
             <a:fld id="{4ADE0E56-B02A-4EE7-B89E-44845DFFCF82}" type="datetimeFigureOut">
               <a:rPr kumimoji="1" lang="ja-JP" altLang="en-US" smtClean="0"/>
-              <a:t>2015/10/7</a:t>
+              <a:t>2015/10/6</a:t>
             </a:fld>
             <a:endParaRPr kumimoji="1" lang="ja-JP" altLang="en-US"/>
           </a:p>
@@ -5214,7 +5214,7 @@
           <a:p>
             <a:fld id="{4ADE0E56-B02A-4EE7-B89E-44845DFFCF82}" type="datetimeFigureOut">
               <a:rPr kumimoji="1" lang="ja-JP" altLang="en-US" smtClean="0"/>
-              <a:t>2015/10/7</a:t>
+              <a:t>2015/10/6</a:t>
             </a:fld>
             <a:endParaRPr kumimoji="1" lang="ja-JP" altLang="en-US"/>
           </a:p>
@@ -6134,7 +6134,7 @@
         </p:blipFill>
         <p:spPr bwMode="auto">
           <a:xfrm>
-            <a:off x="14013249" y="23129244"/>
+            <a:off x="607260" y="21226015"/>
             <a:ext cx="1750068" cy="1327638"/>
           </a:xfrm>
           <a:prstGeom prst="rect">
@@ -6363,94 +6363,34 @@
               <a:buChar char="•"/>
             </a:pPr>
             <a:r>
-              <a:rPr lang="ja-JP" altLang="en-US" sz="4400" dirty="0">
+              <a:rPr lang="ja-JP" altLang="en-US" sz="4400">
                 <a:solidFill>
                   <a:schemeClr val="bg1"/>
                 </a:solidFill>
                 <a:latin typeface="しねきゃぷしょん" panose="02000600000000000000" pitchFamily="2" charset="-128"/>
                 <a:ea typeface="しねきゃぷしょん" panose="02000600000000000000" pitchFamily="2" charset="-128"/>
               </a:rPr>
-              <a:t>可能な</a:t>
-            </a:r>
-            <a:r>
-              <a:rPr lang="ja-JP" altLang="en-US" sz="4400" dirty="0" smtClean="0">
+              <a:t>可能</a:t>
+            </a:r>
+            <a:r>
+              <a:rPr lang="ja-JP" altLang="en-US" sz="4400">
                 <a:solidFill>
                   <a:schemeClr val="bg1"/>
                 </a:solidFill>
                 <a:latin typeface="しねきゃぷしょん" panose="02000600000000000000" pitchFamily="2" charset="-128"/>
                 <a:ea typeface="しねきゃぷしょん" panose="02000600000000000000" pitchFamily="2" charset="-128"/>
               </a:rPr>
-              <a:t>限り</a:t>
-            </a:r>
-            <a:r>
-              <a:rPr lang="ja-JP" altLang="en-US" sz="4400" dirty="0" smtClean="0">
+              <a:t>な</a:t>
+            </a:r>
+            <a:r>
+              <a:rPr lang="ja-JP" altLang="en-US" sz="4400" smtClean="0">
                 <a:solidFill>
                   <a:schemeClr val="bg1"/>
                 </a:solidFill>
                 <a:latin typeface="しねきゃぷしょん" panose="02000600000000000000" pitchFamily="2" charset="-128"/>
                 <a:ea typeface="しねきゃぷしょん" panose="02000600000000000000" pitchFamily="2" charset="-128"/>
               </a:rPr>
-              <a:t>プロジェクト件数</a:t>
-            </a:r>
-            <a:r>
-              <a:rPr lang="ja-JP" altLang="en-US" sz="4400" dirty="0" smtClean="0">
-                <a:solidFill>
-                  <a:schemeClr val="bg1"/>
-                </a:solidFill>
-                <a:latin typeface="しねきゃぷしょん" panose="02000600000000000000" pitchFamily="2" charset="-128"/>
-                <a:ea typeface="しねきゃぷしょん" panose="02000600000000000000" pitchFamily="2" charset="-128"/>
-              </a:rPr>
-              <a:t>を</a:t>
-            </a:r>
-            <a:r>
-              <a:rPr lang="ja-JP" altLang="en-US" sz="4400" dirty="0" smtClean="0">
-                <a:solidFill>
-                  <a:schemeClr val="bg1"/>
-                </a:solidFill>
-                <a:latin typeface="しねきゃぷしょん" panose="02000600000000000000" pitchFamily="2" charset="-128"/>
-                <a:ea typeface="しねきゃぷしょん" panose="02000600000000000000" pitchFamily="2" charset="-128"/>
-              </a:rPr>
-              <a:t>集め</a:t>
-            </a:r>
-            <a:r>
-              <a:rPr lang="ja-JP" altLang="en-US" sz="4400" dirty="0" smtClean="0">
-                <a:solidFill>
-                  <a:schemeClr val="bg1"/>
-                </a:solidFill>
-                <a:latin typeface="しねきゃぷしょん" panose="02000600000000000000" pitchFamily="2" charset="-128"/>
-                <a:ea typeface="しねきゃぷしょん" panose="02000600000000000000" pitchFamily="2" charset="-128"/>
-              </a:rPr>
-              <a:t>，</a:t>
-            </a:r>
-            <a:r>
-              <a:rPr lang="ja-JP" altLang="en-US" sz="4400" dirty="0">
-                <a:solidFill>
-                  <a:schemeClr val="bg1"/>
-                </a:solidFill>
-                <a:latin typeface="しねきゃぷしょん" panose="02000600000000000000" pitchFamily="2" charset="-128"/>
-                <a:ea typeface="しねきゃぷしょん" panose="02000600000000000000" pitchFamily="2" charset="-128"/>
-              </a:rPr>
-              <a:t>結果</a:t>
-            </a:r>
-            <a:r>
-              <a:rPr lang="ja-JP" altLang="en-US" sz="4400" dirty="0" smtClean="0">
-                <a:solidFill>
-                  <a:schemeClr val="bg1"/>
-                </a:solidFill>
-                <a:latin typeface="しねきゃぷしょん" panose="02000600000000000000" pitchFamily="2" charset="-128"/>
-                <a:ea typeface="しねきゃぷしょん" panose="02000600000000000000" pitchFamily="2" charset="-128"/>
-              </a:rPr>
-              <a:t>の</a:t>
-            </a:r>
-            <a:r>
-              <a:rPr lang="ja-JP" altLang="en-US" sz="4400" dirty="0" smtClean="0">
-                <a:solidFill>
-                  <a:schemeClr val="bg1"/>
-                </a:solidFill>
-                <a:latin typeface="しねきゃぷしょん" panose="02000600000000000000" pitchFamily="2" charset="-128"/>
-                <a:ea typeface="しねきゃぷしょん" panose="02000600000000000000" pitchFamily="2" charset="-128"/>
-              </a:rPr>
-              <a:t>信憑性を高める．</a:t>
+              <a:t>限りデータを集め，データの信憑性を高める．</a:t>
             </a:r>
             <a:endParaRPr kumimoji="1" lang="ja-JP" altLang="en-US" sz="4400" dirty="0">
               <a:solidFill>
@@ -6652,7 +6592,7 @@
         <p:spPr>
           <a:xfrm>
             <a:off x="165853" y="19399205"/>
-            <a:ext cx="10076369" cy="2308324"/>
+            <a:ext cx="10076369" cy="1754326"/>
           </a:xfrm>
           <a:prstGeom prst="rect">
             <a:avLst/>
@@ -6673,37 +6613,7 @@
                 <a:latin typeface="しねきゃぷしょん" panose="02000600000000000000" pitchFamily="2" charset="-128"/>
                 <a:ea typeface="しねきゃぷしょん" panose="02000600000000000000" pitchFamily="2" charset="-128"/>
               </a:rPr>
-              <a:t>クラウドファンディングサイトに掲載されているプロジェクトをクローラーを使い，自動で定期的</a:t>
-            </a:r>
-            <a:r>
-              <a:rPr lang="ja-JP" altLang="en-US" sz="3600" dirty="0" smtClean="0">
-                <a:solidFill>
-                  <a:schemeClr val="bg1"/>
-                </a:solidFill>
-                <a:latin typeface="しねきゃぷしょん" panose="02000600000000000000" pitchFamily="2" charset="-128"/>
-                <a:ea typeface="しねきゃぷしょん" panose="02000600000000000000" pitchFamily="2" charset="-128"/>
-              </a:rPr>
-              <a:t>にプロジェクト掲載ページや進捗状況を</a:t>
-            </a:r>
-            <a:r>
-              <a:rPr lang="ja-JP" altLang="en-US" sz="3600" dirty="0" smtClean="0">
-                <a:solidFill>
-                  <a:schemeClr val="bg1"/>
-                </a:solidFill>
-                <a:latin typeface="しねきゃぷしょん" panose="02000600000000000000" pitchFamily="2" charset="-128"/>
-                <a:ea typeface="しねきゃぷしょん" panose="02000600000000000000" pitchFamily="2" charset="-128"/>
-              </a:rPr>
-              <a:t>取得する</a:t>
-            </a:r>
-            <a:r>
-              <a:rPr lang="ja-JP" altLang="en-US" sz="3600" dirty="0" smtClean="0">
-                <a:solidFill>
-                  <a:schemeClr val="bg1"/>
-                </a:solidFill>
-                <a:latin typeface="しねきゃぷしょん" panose="02000600000000000000" pitchFamily="2" charset="-128"/>
-                <a:ea typeface="しねきゃぷしょん" panose="02000600000000000000" pitchFamily="2" charset="-128"/>
-              </a:rPr>
-              <a:t>．</a:t>
+              <a:t>クラウドファンディングサイトに掲載されているプロジェクトをクローラーを使い，自動で定期的に情報を取得する．</a:t>
             </a:r>
             <a:endParaRPr kumimoji="1" lang="en-US" altLang="ja-JP" sz="3600" dirty="0" smtClean="0">
               <a:solidFill>
@@ -6795,7 +6705,7 @@
         </p:nvSpPr>
         <p:spPr>
           <a:xfrm>
-            <a:off x="3510164" y="21636205"/>
+            <a:off x="3517758" y="21395965"/>
             <a:ext cx="2847370" cy="1478279"/>
           </a:xfrm>
           <a:prstGeom prst="downArrow">
@@ -7157,7 +7067,7 @@
         <p:spPr>
           <a:xfrm>
             <a:off x="10917970" y="19471689"/>
-            <a:ext cx="9640526" cy="3416320"/>
+            <a:ext cx="9640526" cy="2308324"/>
           </a:xfrm>
           <a:prstGeom prst="rect">
             <a:avLst/>
@@ -7210,17 +7120,7 @@
                 <a:latin typeface="しねきゃぷしょん" panose="02000600000000000000" pitchFamily="2" charset="-128"/>
                 <a:ea typeface="しねきゃぷしょん" panose="02000600000000000000" pitchFamily="2" charset="-128"/>
               </a:rPr>
-              <a:t>を続け可能な限り多いデータで解析を</a:t>
-            </a:r>
-            <a:r>
-              <a:rPr lang="ja-JP" altLang="en-US" sz="3600" dirty="0" smtClean="0">
-                <a:solidFill>
-                  <a:schemeClr val="bg1"/>
-                </a:solidFill>
-                <a:latin typeface="しねきゃぷしょん" panose="02000600000000000000" pitchFamily="2" charset="-128"/>
-                <a:ea typeface="しねきゃぷしょん" panose="02000600000000000000" pitchFamily="2" charset="-128"/>
-              </a:rPr>
-              <a:t>行う．課題研究の結果を元に件数が少なくて信憑性にかけていた結果についても再度検証を行う．</a:t>
+              <a:t>を続け可能な限り多いデータで解析を行う．</a:t>
             </a:r>
             <a:endParaRPr kumimoji="1" lang="ja-JP" altLang="en-US" sz="3600" dirty="0">
               <a:solidFill>
